--- a/logo.pptx
+++ b/logo.pptx
@@ -104,6 +104,11 @@
       </a:defRPr>
     </a:lvl9pPr>
   </p:defaultTextStyle>
+  <p:extLst>
+    <p:ext uri="{EFAFB233-063F-42B5-8137-9DF3F51BA10A}">
+      <p15:sldGuideLst xmlns:p15="http://schemas.microsoft.com/office/powerpoint/2012/main"/>
+    </p:ext>
+  </p:extLst>
 </p:presentation>
 </file>
 
@@ -2964,449 +2969,789 @@
           <a:chExt cx="0" cy="0"/>
         </a:xfrm>
       </p:grpSpPr>
-      <p:sp>
-        <p:nvSpPr>
-          <p:cNvPr id="21" name="Freihandform 20"/>
-          <p:cNvSpPr/>
+      <p:grpSp>
+        <p:nvGrpSpPr>
+          <p:cNvPr id="19" name="Gruppieren 18"/>
+          <p:cNvGrpSpPr/>
           <p:nvPr/>
-        </p:nvSpPr>
-        <p:spPr>
+        </p:nvGrpSpPr>
+        <p:grpSpPr>
           <a:xfrm>
             <a:off x="3844500" y="2041825"/>
             <a:ext cx="3661200" cy="2168435"/>
+            <a:chOff x="3844500" y="2041825"/>
+            <a:chExt cx="3661200" cy="2168435"/>
           </a:xfrm>
-          <a:custGeom>
-            <a:avLst/>
-            <a:gdLst>
-              <a:gd name="connsiteX0" fmla="*/ 363556 w 3661200"/>
-              <a:gd name="connsiteY0" fmla="*/ 0 h 2168435"/>
-              <a:gd name="connsiteX1" fmla="*/ 3297576 w 3661200"/>
-              <a:gd name="connsiteY1" fmla="*/ 0 h 2168435"/>
-              <a:gd name="connsiteX2" fmla="*/ 3297527 w 3661200"/>
-              <a:gd name="connsiteY2" fmla="*/ 477 h 2168435"/>
-              <a:gd name="connsiteX3" fmla="*/ 3589809 w 3661200"/>
-              <a:gd name="connsiteY3" fmla="*/ 351915 h 2168435"/>
-              <a:gd name="connsiteX4" fmla="*/ 3661200 w 3661200"/>
-              <a:gd name="connsiteY4" fmla="*/ 358968 h 2168435"/>
-              <a:gd name="connsiteX5" fmla="*/ 3661200 w 3661200"/>
-              <a:gd name="connsiteY5" fmla="*/ 1808133 h 2168435"/>
-              <a:gd name="connsiteX6" fmla="*/ 3589808 w 3661200"/>
-              <a:gd name="connsiteY6" fmla="*/ 1815186 h 2168435"/>
-              <a:gd name="connsiteX7" fmla="*/ 3297526 w 3661200"/>
-              <a:gd name="connsiteY7" fmla="*/ 2166624 h 2168435"/>
-              <a:gd name="connsiteX8" fmla="*/ 3297713 w 3661200"/>
-              <a:gd name="connsiteY8" fmla="*/ 2168435 h 2168435"/>
-              <a:gd name="connsiteX9" fmla="*/ 365581 w 3661200"/>
-              <a:gd name="connsiteY9" fmla="*/ 2168435 h 2168435"/>
-              <a:gd name="connsiteX10" fmla="*/ 365686 w 3661200"/>
-              <a:gd name="connsiteY10" fmla="*/ 2167415 h 2168435"/>
-              <a:gd name="connsiteX11" fmla="*/ 73405 w 3661200"/>
-              <a:gd name="connsiteY11" fmla="*/ 1815977 h 2168435"/>
-              <a:gd name="connsiteX12" fmla="*/ 0 w 3661200"/>
-              <a:gd name="connsiteY12" fmla="*/ 1808725 h 2168435"/>
-              <a:gd name="connsiteX13" fmla="*/ 0 w 3661200"/>
-              <a:gd name="connsiteY13" fmla="*/ 359665 h 2168435"/>
-              <a:gd name="connsiteX14" fmla="*/ 71395 w 3661200"/>
-              <a:gd name="connsiteY14" fmla="*/ 352612 h 2168435"/>
-              <a:gd name="connsiteX15" fmla="*/ 363676 w 3661200"/>
-              <a:gd name="connsiteY15" fmla="*/ 1174 h 2168435"/>
-            </a:gdLst>
-            <a:ahLst/>
-            <a:cxnLst>
-              <a:cxn ang="0">
-                <a:pos x="connsiteX0" y="connsiteY0"/>
-              </a:cxn>
-              <a:cxn ang="0">
-                <a:pos x="connsiteX1" y="connsiteY1"/>
-              </a:cxn>
-              <a:cxn ang="0">
-                <a:pos x="connsiteX2" y="connsiteY2"/>
-              </a:cxn>
-              <a:cxn ang="0">
-                <a:pos x="connsiteX3" y="connsiteY3"/>
-              </a:cxn>
-              <a:cxn ang="0">
-                <a:pos x="connsiteX4" y="connsiteY4"/>
-              </a:cxn>
-              <a:cxn ang="0">
-                <a:pos x="connsiteX5" y="connsiteY5"/>
-              </a:cxn>
-              <a:cxn ang="0">
-                <a:pos x="connsiteX6" y="connsiteY6"/>
-              </a:cxn>
-              <a:cxn ang="0">
-                <a:pos x="connsiteX7" y="connsiteY7"/>
-              </a:cxn>
-              <a:cxn ang="0">
-                <a:pos x="connsiteX8" y="connsiteY8"/>
-              </a:cxn>
-              <a:cxn ang="0">
-                <a:pos x="connsiteX9" y="connsiteY9"/>
-              </a:cxn>
-              <a:cxn ang="0">
-                <a:pos x="connsiteX10" y="connsiteY10"/>
-              </a:cxn>
-              <a:cxn ang="0">
-                <a:pos x="connsiteX11" y="connsiteY11"/>
-              </a:cxn>
-              <a:cxn ang="0">
-                <a:pos x="connsiteX12" y="connsiteY12"/>
-              </a:cxn>
-              <a:cxn ang="0">
-                <a:pos x="connsiteX13" y="connsiteY13"/>
-              </a:cxn>
-              <a:cxn ang="0">
-                <a:pos x="connsiteX14" y="connsiteY14"/>
-              </a:cxn>
-              <a:cxn ang="0">
-                <a:pos x="connsiteX15" y="connsiteY15"/>
-              </a:cxn>
-            </a:cxnLst>
-            <a:rect l="l" t="t" r="r" b="b"/>
-            <a:pathLst>
-              <a:path w="3661200" h="2168435">
-                <a:moveTo>
-                  <a:pt x="363556" y="0"/>
-                </a:moveTo>
-                <a:lnTo>
-                  <a:pt x="3297576" y="0"/>
-                </a:lnTo>
-                <a:lnTo>
-                  <a:pt x="3297527" y="477"/>
-                </a:lnTo>
-                <a:cubicBezTo>
-                  <a:pt x="3297527" y="173831"/>
-                  <a:pt x="3423004" y="318465"/>
-                  <a:pt x="3589809" y="351915"/>
-                </a:cubicBezTo>
-                <a:lnTo>
-                  <a:pt x="3661200" y="358968"/>
-                </a:lnTo>
-                <a:lnTo>
-                  <a:pt x="3661200" y="1808133"/>
-                </a:lnTo>
-                <a:lnTo>
-                  <a:pt x="3589808" y="1815186"/>
-                </a:lnTo>
-                <a:cubicBezTo>
-                  <a:pt x="3423003" y="1848636"/>
-                  <a:pt x="3297526" y="1993270"/>
-                  <a:pt x="3297526" y="2166624"/>
-                </a:cubicBezTo>
-                <a:lnTo>
-                  <a:pt x="3297713" y="2168435"/>
-                </a:lnTo>
-                <a:lnTo>
-                  <a:pt x="365581" y="2168435"/>
-                </a:lnTo>
-                <a:lnTo>
-                  <a:pt x="365686" y="2167415"/>
-                </a:lnTo>
-                <a:cubicBezTo>
-                  <a:pt x="365686" y="1994061"/>
-                  <a:pt x="240209" y="1849427"/>
-                  <a:pt x="73405" y="1815977"/>
-                </a:cubicBezTo>
-                <a:lnTo>
-                  <a:pt x="0" y="1808725"/>
-                </a:lnTo>
-                <a:lnTo>
-                  <a:pt x="0" y="359665"/>
-                </a:lnTo>
-                <a:lnTo>
-                  <a:pt x="71395" y="352612"/>
-                </a:lnTo>
-                <a:cubicBezTo>
-                  <a:pt x="238199" y="319162"/>
-                  <a:pt x="363676" y="174528"/>
-                  <a:pt x="363676" y="1174"/>
-                </a:cubicBezTo>
-                <a:close/>
-              </a:path>
-            </a:pathLst>
-          </a:custGeom>
-          <a:solidFill>
-            <a:srgbClr val="5C6E91"/>
-          </a:solidFill>
-          <a:ln>
+        </p:grpSpPr>
+        <p:sp>
+          <p:nvSpPr>
+            <p:cNvPr id="21" name="Freihandform 20"/>
+            <p:cNvSpPr/>
+            <p:nvPr/>
+          </p:nvSpPr>
+          <p:spPr>
+            <a:xfrm>
+              <a:off x="3844500" y="2041825"/>
+              <a:ext cx="3661200" cy="2168435"/>
+            </a:xfrm>
+            <a:custGeom>
+              <a:avLst/>
+              <a:gdLst>
+                <a:gd name="connsiteX0" fmla="*/ 363556 w 3661200"/>
+                <a:gd name="connsiteY0" fmla="*/ 0 h 2168435"/>
+                <a:gd name="connsiteX1" fmla="*/ 3297576 w 3661200"/>
+                <a:gd name="connsiteY1" fmla="*/ 0 h 2168435"/>
+                <a:gd name="connsiteX2" fmla="*/ 3297527 w 3661200"/>
+                <a:gd name="connsiteY2" fmla="*/ 477 h 2168435"/>
+                <a:gd name="connsiteX3" fmla="*/ 3589809 w 3661200"/>
+                <a:gd name="connsiteY3" fmla="*/ 351915 h 2168435"/>
+                <a:gd name="connsiteX4" fmla="*/ 3661200 w 3661200"/>
+                <a:gd name="connsiteY4" fmla="*/ 358968 h 2168435"/>
+                <a:gd name="connsiteX5" fmla="*/ 3661200 w 3661200"/>
+                <a:gd name="connsiteY5" fmla="*/ 1808133 h 2168435"/>
+                <a:gd name="connsiteX6" fmla="*/ 3589808 w 3661200"/>
+                <a:gd name="connsiteY6" fmla="*/ 1815186 h 2168435"/>
+                <a:gd name="connsiteX7" fmla="*/ 3297526 w 3661200"/>
+                <a:gd name="connsiteY7" fmla="*/ 2166624 h 2168435"/>
+                <a:gd name="connsiteX8" fmla="*/ 3297713 w 3661200"/>
+                <a:gd name="connsiteY8" fmla="*/ 2168435 h 2168435"/>
+                <a:gd name="connsiteX9" fmla="*/ 365581 w 3661200"/>
+                <a:gd name="connsiteY9" fmla="*/ 2168435 h 2168435"/>
+                <a:gd name="connsiteX10" fmla="*/ 365686 w 3661200"/>
+                <a:gd name="connsiteY10" fmla="*/ 2167415 h 2168435"/>
+                <a:gd name="connsiteX11" fmla="*/ 73405 w 3661200"/>
+                <a:gd name="connsiteY11" fmla="*/ 1815977 h 2168435"/>
+                <a:gd name="connsiteX12" fmla="*/ 0 w 3661200"/>
+                <a:gd name="connsiteY12" fmla="*/ 1808725 h 2168435"/>
+                <a:gd name="connsiteX13" fmla="*/ 0 w 3661200"/>
+                <a:gd name="connsiteY13" fmla="*/ 359665 h 2168435"/>
+                <a:gd name="connsiteX14" fmla="*/ 71395 w 3661200"/>
+                <a:gd name="connsiteY14" fmla="*/ 352612 h 2168435"/>
+                <a:gd name="connsiteX15" fmla="*/ 363676 w 3661200"/>
+                <a:gd name="connsiteY15" fmla="*/ 1174 h 2168435"/>
+              </a:gdLst>
+              <a:ahLst/>
+              <a:cxnLst>
+                <a:cxn ang="0">
+                  <a:pos x="connsiteX0" y="connsiteY0"/>
+                </a:cxn>
+                <a:cxn ang="0">
+                  <a:pos x="connsiteX1" y="connsiteY1"/>
+                </a:cxn>
+                <a:cxn ang="0">
+                  <a:pos x="connsiteX2" y="connsiteY2"/>
+                </a:cxn>
+                <a:cxn ang="0">
+                  <a:pos x="connsiteX3" y="connsiteY3"/>
+                </a:cxn>
+                <a:cxn ang="0">
+                  <a:pos x="connsiteX4" y="connsiteY4"/>
+                </a:cxn>
+                <a:cxn ang="0">
+                  <a:pos x="connsiteX5" y="connsiteY5"/>
+                </a:cxn>
+                <a:cxn ang="0">
+                  <a:pos x="connsiteX6" y="connsiteY6"/>
+                </a:cxn>
+                <a:cxn ang="0">
+                  <a:pos x="connsiteX7" y="connsiteY7"/>
+                </a:cxn>
+                <a:cxn ang="0">
+                  <a:pos x="connsiteX8" y="connsiteY8"/>
+                </a:cxn>
+                <a:cxn ang="0">
+                  <a:pos x="connsiteX9" y="connsiteY9"/>
+                </a:cxn>
+                <a:cxn ang="0">
+                  <a:pos x="connsiteX10" y="connsiteY10"/>
+                </a:cxn>
+                <a:cxn ang="0">
+                  <a:pos x="connsiteX11" y="connsiteY11"/>
+                </a:cxn>
+                <a:cxn ang="0">
+                  <a:pos x="connsiteX12" y="connsiteY12"/>
+                </a:cxn>
+                <a:cxn ang="0">
+                  <a:pos x="connsiteX13" y="connsiteY13"/>
+                </a:cxn>
+                <a:cxn ang="0">
+                  <a:pos x="connsiteX14" y="connsiteY14"/>
+                </a:cxn>
+                <a:cxn ang="0">
+                  <a:pos x="connsiteX15" y="connsiteY15"/>
+                </a:cxn>
+              </a:cxnLst>
+              <a:rect l="l" t="t" r="r" b="b"/>
+              <a:pathLst>
+                <a:path w="3661200" h="2168435">
+                  <a:moveTo>
+                    <a:pt x="363556" y="0"/>
+                  </a:moveTo>
+                  <a:lnTo>
+                    <a:pt x="3297576" y="0"/>
+                  </a:lnTo>
+                  <a:lnTo>
+                    <a:pt x="3297527" y="477"/>
+                  </a:lnTo>
+                  <a:cubicBezTo>
+                    <a:pt x="3297527" y="173831"/>
+                    <a:pt x="3423004" y="318465"/>
+                    <a:pt x="3589809" y="351915"/>
+                  </a:cubicBezTo>
+                  <a:lnTo>
+                    <a:pt x="3661200" y="358968"/>
+                  </a:lnTo>
+                  <a:lnTo>
+                    <a:pt x="3661200" y="1808133"/>
+                  </a:lnTo>
+                  <a:lnTo>
+                    <a:pt x="3589808" y="1815186"/>
+                  </a:lnTo>
+                  <a:cubicBezTo>
+                    <a:pt x="3423003" y="1848636"/>
+                    <a:pt x="3297526" y="1993270"/>
+                    <a:pt x="3297526" y="2166624"/>
+                  </a:cubicBezTo>
+                  <a:lnTo>
+                    <a:pt x="3297713" y="2168435"/>
+                  </a:lnTo>
+                  <a:lnTo>
+                    <a:pt x="365581" y="2168435"/>
+                  </a:lnTo>
+                  <a:lnTo>
+                    <a:pt x="365686" y="2167415"/>
+                  </a:lnTo>
+                  <a:cubicBezTo>
+                    <a:pt x="365686" y="1994061"/>
+                    <a:pt x="240209" y="1849427"/>
+                    <a:pt x="73405" y="1815977"/>
+                  </a:cubicBezTo>
+                  <a:lnTo>
+                    <a:pt x="0" y="1808725"/>
+                  </a:lnTo>
+                  <a:lnTo>
+                    <a:pt x="0" y="359665"/>
+                  </a:lnTo>
+                  <a:lnTo>
+                    <a:pt x="71395" y="352612"/>
+                  </a:lnTo>
+                  <a:cubicBezTo>
+                    <a:pt x="238199" y="319162"/>
+                    <a:pt x="363676" y="174528"/>
+                    <a:pt x="363676" y="1174"/>
+                  </a:cubicBezTo>
+                  <a:close/>
+                </a:path>
+              </a:pathLst>
+            </a:custGeom>
+            <a:solidFill>
+              <a:srgbClr val="5C6E91"/>
+            </a:solidFill>
+            <a:ln>
+              <a:noFill/>
+            </a:ln>
+          </p:spPr>
+          <p:style>
+            <a:lnRef idx="2">
+              <a:schemeClr val="accent1">
+                <a:shade val="50000"/>
+              </a:schemeClr>
+            </a:lnRef>
+            <a:fillRef idx="1">
+              <a:schemeClr val="accent1"/>
+            </a:fillRef>
+            <a:effectRef idx="0">
+              <a:schemeClr val="accent1"/>
+            </a:effectRef>
+            <a:fontRef idx="minor">
+              <a:schemeClr val="lt1"/>
+            </a:fontRef>
+          </p:style>
+          <p:txBody>
+            <a:bodyPr rtlCol="0" anchor="ctr"/>
+            <a:lstStyle/>
+            <a:p>
+              <a:pPr algn="ctr"/>
+              <a:endParaRPr lang="de-DE" dirty="0" smtClean="0"/>
+            </a:p>
+          </p:txBody>
+        </p:sp>
+        <p:sp>
+          <p:nvSpPr>
+            <p:cNvPr id="22" name="Freihandform 21"/>
+            <p:cNvSpPr/>
+            <p:nvPr/>
+          </p:nvSpPr>
+          <p:spPr>
+            <a:xfrm>
+              <a:off x="3937740" y="2133918"/>
+              <a:ext cx="3474720" cy="1984248"/>
+            </a:xfrm>
+            <a:custGeom>
+              <a:avLst/>
+              <a:gdLst>
+                <a:gd name="connsiteX0" fmla="*/ 363556 w 3661200"/>
+                <a:gd name="connsiteY0" fmla="*/ 0 h 2168435"/>
+                <a:gd name="connsiteX1" fmla="*/ 3297576 w 3661200"/>
+                <a:gd name="connsiteY1" fmla="*/ 0 h 2168435"/>
+                <a:gd name="connsiteX2" fmla="*/ 3297527 w 3661200"/>
+                <a:gd name="connsiteY2" fmla="*/ 477 h 2168435"/>
+                <a:gd name="connsiteX3" fmla="*/ 3589809 w 3661200"/>
+                <a:gd name="connsiteY3" fmla="*/ 351915 h 2168435"/>
+                <a:gd name="connsiteX4" fmla="*/ 3661200 w 3661200"/>
+                <a:gd name="connsiteY4" fmla="*/ 358968 h 2168435"/>
+                <a:gd name="connsiteX5" fmla="*/ 3661200 w 3661200"/>
+                <a:gd name="connsiteY5" fmla="*/ 1808133 h 2168435"/>
+                <a:gd name="connsiteX6" fmla="*/ 3589808 w 3661200"/>
+                <a:gd name="connsiteY6" fmla="*/ 1815186 h 2168435"/>
+                <a:gd name="connsiteX7" fmla="*/ 3297526 w 3661200"/>
+                <a:gd name="connsiteY7" fmla="*/ 2166624 h 2168435"/>
+                <a:gd name="connsiteX8" fmla="*/ 3297713 w 3661200"/>
+                <a:gd name="connsiteY8" fmla="*/ 2168435 h 2168435"/>
+                <a:gd name="connsiteX9" fmla="*/ 365581 w 3661200"/>
+                <a:gd name="connsiteY9" fmla="*/ 2168435 h 2168435"/>
+                <a:gd name="connsiteX10" fmla="*/ 365686 w 3661200"/>
+                <a:gd name="connsiteY10" fmla="*/ 2167415 h 2168435"/>
+                <a:gd name="connsiteX11" fmla="*/ 73405 w 3661200"/>
+                <a:gd name="connsiteY11" fmla="*/ 1815977 h 2168435"/>
+                <a:gd name="connsiteX12" fmla="*/ 0 w 3661200"/>
+                <a:gd name="connsiteY12" fmla="*/ 1808725 h 2168435"/>
+                <a:gd name="connsiteX13" fmla="*/ 0 w 3661200"/>
+                <a:gd name="connsiteY13" fmla="*/ 359665 h 2168435"/>
+                <a:gd name="connsiteX14" fmla="*/ 71395 w 3661200"/>
+                <a:gd name="connsiteY14" fmla="*/ 352612 h 2168435"/>
+                <a:gd name="connsiteX15" fmla="*/ 363676 w 3661200"/>
+                <a:gd name="connsiteY15" fmla="*/ 1174 h 2168435"/>
+              </a:gdLst>
+              <a:ahLst/>
+              <a:cxnLst>
+                <a:cxn ang="0">
+                  <a:pos x="connsiteX0" y="connsiteY0"/>
+                </a:cxn>
+                <a:cxn ang="0">
+                  <a:pos x="connsiteX1" y="connsiteY1"/>
+                </a:cxn>
+                <a:cxn ang="0">
+                  <a:pos x="connsiteX2" y="connsiteY2"/>
+                </a:cxn>
+                <a:cxn ang="0">
+                  <a:pos x="connsiteX3" y="connsiteY3"/>
+                </a:cxn>
+                <a:cxn ang="0">
+                  <a:pos x="connsiteX4" y="connsiteY4"/>
+                </a:cxn>
+                <a:cxn ang="0">
+                  <a:pos x="connsiteX5" y="connsiteY5"/>
+                </a:cxn>
+                <a:cxn ang="0">
+                  <a:pos x="connsiteX6" y="connsiteY6"/>
+                </a:cxn>
+                <a:cxn ang="0">
+                  <a:pos x="connsiteX7" y="connsiteY7"/>
+                </a:cxn>
+                <a:cxn ang="0">
+                  <a:pos x="connsiteX8" y="connsiteY8"/>
+                </a:cxn>
+                <a:cxn ang="0">
+                  <a:pos x="connsiteX9" y="connsiteY9"/>
+                </a:cxn>
+                <a:cxn ang="0">
+                  <a:pos x="connsiteX10" y="connsiteY10"/>
+                </a:cxn>
+                <a:cxn ang="0">
+                  <a:pos x="connsiteX11" y="connsiteY11"/>
+                </a:cxn>
+                <a:cxn ang="0">
+                  <a:pos x="connsiteX12" y="connsiteY12"/>
+                </a:cxn>
+                <a:cxn ang="0">
+                  <a:pos x="connsiteX13" y="connsiteY13"/>
+                </a:cxn>
+                <a:cxn ang="0">
+                  <a:pos x="connsiteX14" y="connsiteY14"/>
+                </a:cxn>
+                <a:cxn ang="0">
+                  <a:pos x="connsiteX15" y="connsiteY15"/>
+                </a:cxn>
+              </a:cxnLst>
+              <a:rect l="l" t="t" r="r" b="b"/>
+              <a:pathLst>
+                <a:path w="3661200" h="2168435">
+                  <a:moveTo>
+                    <a:pt x="363556" y="0"/>
+                  </a:moveTo>
+                  <a:lnTo>
+                    <a:pt x="3297576" y="0"/>
+                  </a:lnTo>
+                  <a:lnTo>
+                    <a:pt x="3297527" y="477"/>
+                  </a:lnTo>
+                  <a:cubicBezTo>
+                    <a:pt x="3297527" y="173831"/>
+                    <a:pt x="3423004" y="318465"/>
+                    <a:pt x="3589809" y="351915"/>
+                  </a:cubicBezTo>
+                  <a:lnTo>
+                    <a:pt x="3661200" y="358968"/>
+                  </a:lnTo>
+                  <a:lnTo>
+                    <a:pt x="3661200" y="1808133"/>
+                  </a:lnTo>
+                  <a:lnTo>
+                    <a:pt x="3589808" y="1815186"/>
+                  </a:lnTo>
+                  <a:cubicBezTo>
+                    <a:pt x="3423003" y="1848636"/>
+                    <a:pt x="3297526" y="1993270"/>
+                    <a:pt x="3297526" y="2166624"/>
+                  </a:cubicBezTo>
+                  <a:lnTo>
+                    <a:pt x="3297713" y="2168435"/>
+                  </a:lnTo>
+                  <a:lnTo>
+                    <a:pt x="365581" y="2168435"/>
+                  </a:lnTo>
+                  <a:lnTo>
+                    <a:pt x="365686" y="2167415"/>
+                  </a:lnTo>
+                  <a:cubicBezTo>
+                    <a:pt x="365686" y="1994061"/>
+                    <a:pt x="240209" y="1849427"/>
+                    <a:pt x="73405" y="1815977"/>
+                  </a:cubicBezTo>
+                  <a:lnTo>
+                    <a:pt x="0" y="1808725"/>
+                  </a:lnTo>
+                  <a:lnTo>
+                    <a:pt x="0" y="359665"/>
+                  </a:lnTo>
+                  <a:lnTo>
+                    <a:pt x="71395" y="352612"/>
+                  </a:lnTo>
+                  <a:cubicBezTo>
+                    <a:pt x="238199" y="319162"/>
+                    <a:pt x="363676" y="174528"/>
+                    <a:pt x="363676" y="1174"/>
+                  </a:cubicBezTo>
+                  <a:close/>
+                </a:path>
+              </a:pathLst>
+            </a:custGeom>
+            <a:solidFill>
+              <a:srgbClr val="EEEDED"/>
+            </a:solidFill>
+            <a:ln>
+              <a:noFill/>
+            </a:ln>
+          </p:spPr>
+          <p:style>
+            <a:lnRef idx="2">
+              <a:schemeClr val="accent1">
+                <a:shade val="50000"/>
+              </a:schemeClr>
+            </a:lnRef>
+            <a:fillRef idx="1">
+              <a:schemeClr val="accent1"/>
+            </a:fillRef>
+            <a:effectRef idx="0">
+              <a:schemeClr val="accent1"/>
+            </a:effectRef>
+            <a:fontRef idx="minor">
+              <a:schemeClr val="lt1"/>
+            </a:fontRef>
+          </p:style>
+          <p:txBody>
+            <a:bodyPr rtlCol="0" anchor="ctr"/>
+            <a:lstStyle/>
+            <a:p>
+              <a:pPr algn="ctr"/>
+              <a:r>
+                <a:rPr lang="de-DE" sz="5000" b="1" dirty="0" smtClean="0">
+                  <a:solidFill>
+                    <a:srgbClr val="5C6E91"/>
+                  </a:solidFill>
+                  <a:latin typeface="Palace Script MT" panose="030303020206070C0B05" pitchFamily="66" charset="0"/>
+                </a:rPr>
+                <a:t>Grand Hotel Mama</a:t>
+              </a:r>
+            </a:p>
+          </p:txBody>
+        </p:sp>
+        <p:sp>
+          <p:nvSpPr>
+            <p:cNvPr id="24" name="Textfeld 23"/>
+            <p:cNvSpPr txBox="1"/>
+            <p:nvPr/>
+          </p:nvSpPr>
+          <p:spPr>
+            <a:xfrm>
+              <a:off x="5074363" y="2328863"/>
+              <a:ext cx="1201474" cy="369332"/>
+            </a:xfrm>
+            <a:prstGeom prst="rect">
+              <a:avLst/>
+            </a:prstGeom>
             <a:noFill/>
-          </a:ln>
-        </p:spPr>
-        <p:style>
-          <a:lnRef idx="2">
-            <a:schemeClr val="accent1">
-              <a:shade val="50000"/>
-            </a:schemeClr>
-          </a:lnRef>
-          <a:fillRef idx="1">
-            <a:schemeClr val="accent1"/>
-          </a:fillRef>
-          <a:effectRef idx="0">
-            <a:schemeClr val="accent1"/>
-          </a:effectRef>
-          <a:fontRef idx="minor">
-            <a:schemeClr val="lt1"/>
-          </a:fontRef>
-        </p:style>
-        <p:txBody>
-          <a:bodyPr rtlCol="0" anchor="ctr"/>
-          <a:lstStyle/>
-          <a:p>
-            <a:pPr algn="ctr"/>
-            <a:endParaRPr lang="de-DE" dirty="0" smtClean="0"/>
-          </a:p>
-        </p:txBody>
-      </p:sp>
-      <p:sp>
-        <p:nvSpPr>
-          <p:cNvPr id="22" name="Freihandform 21"/>
-          <p:cNvSpPr/>
-          <p:nvPr/>
-        </p:nvSpPr>
-        <p:spPr>
-          <a:xfrm>
-            <a:off x="3937740" y="2133918"/>
-            <a:ext cx="3474720" cy="1984248"/>
-          </a:xfrm>
-          <a:custGeom>
-            <a:avLst/>
-            <a:gdLst>
-              <a:gd name="connsiteX0" fmla="*/ 363556 w 3661200"/>
-              <a:gd name="connsiteY0" fmla="*/ 0 h 2168435"/>
-              <a:gd name="connsiteX1" fmla="*/ 3297576 w 3661200"/>
-              <a:gd name="connsiteY1" fmla="*/ 0 h 2168435"/>
-              <a:gd name="connsiteX2" fmla="*/ 3297527 w 3661200"/>
-              <a:gd name="connsiteY2" fmla="*/ 477 h 2168435"/>
-              <a:gd name="connsiteX3" fmla="*/ 3589809 w 3661200"/>
-              <a:gd name="connsiteY3" fmla="*/ 351915 h 2168435"/>
-              <a:gd name="connsiteX4" fmla="*/ 3661200 w 3661200"/>
-              <a:gd name="connsiteY4" fmla="*/ 358968 h 2168435"/>
-              <a:gd name="connsiteX5" fmla="*/ 3661200 w 3661200"/>
-              <a:gd name="connsiteY5" fmla="*/ 1808133 h 2168435"/>
-              <a:gd name="connsiteX6" fmla="*/ 3589808 w 3661200"/>
-              <a:gd name="connsiteY6" fmla="*/ 1815186 h 2168435"/>
-              <a:gd name="connsiteX7" fmla="*/ 3297526 w 3661200"/>
-              <a:gd name="connsiteY7" fmla="*/ 2166624 h 2168435"/>
-              <a:gd name="connsiteX8" fmla="*/ 3297713 w 3661200"/>
-              <a:gd name="connsiteY8" fmla="*/ 2168435 h 2168435"/>
-              <a:gd name="connsiteX9" fmla="*/ 365581 w 3661200"/>
-              <a:gd name="connsiteY9" fmla="*/ 2168435 h 2168435"/>
-              <a:gd name="connsiteX10" fmla="*/ 365686 w 3661200"/>
-              <a:gd name="connsiteY10" fmla="*/ 2167415 h 2168435"/>
-              <a:gd name="connsiteX11" fmla="*/ 73405 w 3661200"/>
-              <a:gd name="connsiteY11" fmla="*/ 1815977 h 2168435"/>
-              <a:gd name="connsiteX12" fmla="*/ 0 w 3661200"/>
-              <a:gd name="connsiteY12" fmla="*/ 1808725 h 2168435"/>
-              <a:gd name="connsiteX13" fmla="*/ 0 w 3661200"/>
-              <a:gd name="connsiteY13" fmla="*/ 359665 h 2168435"/>
-              <a:gd name="connsiteX14" fmla="*/ 71395 w 3661200"/>
-              <a:gd name="connsiteY14" fmla="*/ 352612 h 2168435"/>
-              <a:gd name="connsiteX15" fmla="*/ 363676 w 3661200"/>
-              <a:gd name="connsiteY15" fmla="*/ 1174 h 2168435"/>
-            </a:gdLst>
-            <a:ahLst/>
-            <a:cxnLst>
-              <a:cxn ang="0">
-                <a:pos x="connsiteX0" y="connsiteY0"/>
-              </a:cxn>
-              <a:cxn ang="0">
-                <a:pos x="connsiteX1" y="connsiteY1"/>
-              </a:cxn>
-              <a:cxn ang="0">
-                <a:pos x="connsiteX2" y="connsiteY2"/>
-              </a:cxn>
-              <a:cxn ang="0">
-                <a:pos x="connsiteX3" y="connsiteY3"/>
-              </a:cxn>
-              <a:cxn ang="0">
-                <a:pos x="connsiteX4" y="connsiteY4"/>
-              </a:cxn>
-              <a:cxn ang="0">
-                <a:pos x="connsiteX5" y="connsiteY5"/>
-              </a:cxn>
-              <a:cxn ang="0">
-                <a:pos x="connsiteX6" y="connsiteY6"/>
-              </a:cxn>
-              <a:cxn ang="0">
-                <a:pos x="connsiteX7" y="connsiteY7"/>
-              </a:cxn>
-              <a:cxn ang="0">
-                <a:pos x="connsiteX8" y="connsiteY8"/>
-              </a:cxn>
-              <a:cxn ang="0">
-                <a:pos x="connsiteX9" y="connsiteY9"/>
-              </a:cxn>
-              <a:cxn ang="0">
-                <a:pos x="connsiteX10" y="connsiteY10"/>
-              </a:cxn>
-              <a:cxn ang="0">
-                <a:pos x="connsiteX11" y="connsiteY11"/>
-              </a:cxn>
-              <a:cxn ang="0">
-                <a:pos x="connsiteX12" y="connsiteY12"/>
-              </a:cxn>
-              <a:cxn ang="0">
-                <a:pos x="connsiteX13" y="connsiteY13"/>
-              </a:cxn>
-              <a:cxn ang="0">
-                <a:pos x="connsiteX14" y="connsiteY14"/>
-              </a:cxn>
-              <a:cxn ang="0">
-                <a:pos x="connsiteX15" y="connsiteY15"/>
-              </a:cxn>
-            </a:cxnLst>
-            <a:rect l="l" t="t" r="r" b="b"/>
-            <a:pathLst>
-              <a:path w="3661200" h="2168435">
-                <a:moveTo>
-                  <a:pt x="363556" y="0"/>
-                </a:moveTo>
-                <a:lnTo>
-                  <a:pt x="3297576" y="0"/>
-                </a:lnTo>
-                <a:lnTo>
-                  <a:pt x="3297527" y="477"/>
-                </a:lnTo>
-                <a:cubicBezTo>
-                  <a:pt x="3297527" y="173831"/>
-                  <a:pt x="3423004" y="318465"/>
-                  <a:pt x="3589809" y="351915"/>
-                </a:cubicBezTo>
-                <a:lnTo>
-                  <a:pt x="3661200" y="358968"/>
-                </a:lnTo>
-                <a:lnTo>
-                  <a:pt x="3661200" y="1808133"/>
-                </a:lnTo>
-                <a:lnTo>
-                  <a:pt x="3589808" y="1815186"/>
-                </a:lnTo>
-                <a:cubicBezTo>
-                  <a:pt x="3423003" y="1848636"/>
-                  <a:pt x="3297526" y="1993270"/>
-                  <a:pt x="3297526" y="2166624"/>
-                </a:cubicBezTo>
-                <a:lnTo>
-                  <a:pt x="3297713" y="2168435"/>
-                </a:lnTo>
-                <a:lnTo>
-                  <a:pt x="365581" y="2168435"/>
-                </a:lnTo>
-                <a:lnTo>
-                  <a:pt x="365686" y="2167415"/>
-                </a:lnTo>
-                <a:cubicBezTo>
-                  <a:pt x="365686" y="1994061"/>
-                  <a:pt x="240209" y="1849427"/>
-                  <a:pt x="73405" y="1815977"/>
-                </a:cubicBezTo>
-                <a:lnTo>
-                  <a:pt x="0" y="1808725"/>
-                </a:lnTo>
-                <a:lnTo>
-                  <a:pt x="0" y="359665"/>
-                </a:lnTo>
-                <a:lnTo>
-                  <a:pt x="71395" y="352612"/>
-                </a:lnTo>
-                <a:cubicBezTo>
-                  <a:pt x="238199" y="319162"/>
-                  <a:pt x="363676" y="174528"/>
-                  <a:pt x="363676" y="1174"/>
-                </a:cubicBezTo>
-                <a:close/>
-              </a:path>
-            </a:pathLst>
-          </a:custGeom>
-          <a:solidFill>
-            <a:schemeClr val="bg1"/>
-          </a:solidFill>
-          <a:ln>
-            <a:noFill/>
-          </a:ln>
-        </p:spPr>
-        <p:style>
-          <a:lnRef idx="2">
-            <a:schemeClr val="accent1">
-              <a:shade val="50000"/>
-            </a:schemeClr>
-          </a:lnRef>
-          <a:fillRef idx="1">
-            <a:schemeClr val="accent1"/>
-          </a:fillRef>
-          <a:effectRef idx="0">
-            <a:schemeClr val="accent1"/>
-          </a:effectRef>
-          <a:fontRef idx="minor">
-            <a:schemeClr val="lt1"/>
-          </a:fontRef>
-        </p:style>
-        <p:txBody>
-          <a:bodyPr rtlCol="0" anchor="ctr"/>
-          <a:lstStyle/>
-          <a:p>
-            <a:pPr algn="ctr"/>
-            <a:r>
-              <a:rPr lang="de-DE" sz="4800" b="1" dirty="0" smtClean="0">
+          </p:spPr>
+          <p:txBody>
+            <a:bodyPr wrap="square" rtlCol="0">
+              <a:spAutoFit/>
+            </a:bodyPr>
+            <a:lstStyle/>
+            <a:p>
+              <a:pPr algn="ctr"/>
+              <a:r>
+                <a:rPr lang="en-US" b="1" dirty="0" smtClean="0">
+                  <a:solidFill>
+                    <a:srgbClr val="5C6E91"/>
+                  </a:solidFill>
+                </a:rPr>
+                <a:t>☆☆☆☆</a:t>
+              </a:r>
+              <a:r>
+                <a:rPr lang="en-US" b="1" dirty="0">
+                  <a:solidFill>
+                    <a:srgbClr val="5C6E91"/>
+                  </a:solidFill>
+                </a:rPr>
+                <a:t>☆</a:t>
+              </a:r>
+              <a:endParaRPr lang="en-US" b="1" dirty="0">
                 <a:solidFill>
                   <a:srgbClr val="5C6E91"/>
                 </a:solidFill>
-                <a:latin typeface="Palace Script MT" panose="030303020206070C0B05" pitchFamily="66" charset="0"/>
-              </a:rPr>
-              <a:t>Grand Hotel Mama</a:t>
-            </a:r>
-          </a:p>
-        </p:txBody>
-      </p:sp>
-      <p:sp>
-        <p:nvSpPr>
-          <p:cNvPr id="24" name="Textfeld 23"/>
-          <p:cNvSpPr txBox="1"/>
-          <p:nvPr/>
-        </p:nvSpPr>
-        <p:spPr>
-          <a:xfrm>
-            <a:off x="4886906" y="2328863"/>
-            <a:ext cx="1576388" cy="369332"/>
-          </a:xfrm>
-          <a:prstGeom prst="rect">
-            <a:avLst/>
-          </a:prstGeom>
-          <a:noFill/>
-        </p:spPr>
-        <p:txBody>
-          <a:bodyPr wrap="square" rtlCol="0">
-            <a:spAutoFit/>
-          </a:bodyPr>
-          <a:lstStyle/>
-          <a:p>
-            <a:pPr algn="ctr"/>
-            <a:r>
-              <a:rPr lang="en-US" dirty="0" smtClean="0">
+                <a:latin typeface="Arial" panose="020B0604020202020204" pitchFamily="34" charset="0"/>
+                <a:cs typeface="Arial" panose="020B0604020202020204" pitchFamily="34" charset="0"/>
+              </a:endParaRPr>
+            </a:p>
+          </p:txBody>
+        </p:sp>
+        <p:sp>
+          <p:nvSpPr>
+            <p:cNvPr id="16" name="Freihandform 15"/>
+            <p:cNvSpPr/>
+            <p:nvPr/>
+          </p:nvSpPr>
+          <p:spPr>
+            <a:xfrm>
+              <a:off x="4793666" y="2459756"/>
+              <a:ext cx="300780" cy="107547"/>
+            </a:xfrm>
+            <a:custGeom>
+              <a:avLst/>
+              <a:gdLst>
+                <a:gd name="connsiteX0" fmla="*/ 68763 w 632855"/>
+                <a:gd name="connsiteY0" fmla="*/ 40253 h 155421"/>
+                <a:gd name="connsiteX1" fmla="*/ 183 w 632855"/>
+                <a:gd name="connsiteY1" fmla="*/ 85973 h 155421"/>
+                <a:gd name="connsiteX2" fmla="*/ 53523 w 632855"/>
+                <a:gd name="connsiteY2" fmla="*/ 154553 h 155421"/>
+                <a:gd name="connsiteX3" fmla="*/ 190683 w 632855"/>
+                <a:gd name="connsiteY3" fmla="*/ 116453 h 155421"/>
+                <a:gd name="connsiteX4" fmla="*/ 541203 w 632855"/>
+                <a:gd name="connsiteY4" fmla="*/ 2153 h 155421"/>
+                <a:gd name="connsiteX5" fmla="*/ 632643 w 632855"/>
+                <a:gd name="connsiteY5" fmla="*/ 47873 h 155421"/>
+                <a:gd name="connsiteX6" fmla="*/ 564063 w 632855"/>
+                <a:gd name="connsiteY6" fmla="*/ 124073 h 155421"/>
+                <a:gd name="connsiteX7" fmla="*/ 487863 w 632855"/>
+                <a:gd name="connsiteY7" fmla="*/ 93593 h 155421"/>
+                <a:gd name="connsiteX8" fmla="*/ 510723 w 632855"/>
+                <a:gd name="connsiteY8" fmla="*/ 63113 h 155421"/>
+              </a:gdLst>
+              <a:ahLst/>
+              <a:cxnLst>
+                <a:cxn ang="0">
+                  <a:pos x="connsiteX0" y="connsiteY0"/>
+                </a:cxn>
+                <a:cxn ang="0">
+                  <a:pos x="connsiteX1" y="connsiteY1"/>
+                </a:cxn>
+                <a:cxn ang="0">
+                  <a:pos x="connsiteX2" y="connsiteY2"/>
+                </a:cxn>
+                <a:cxn ang="0">
+                  <a:pos x="connsiteX3" y="connsiteY3"/>
+                </a:cxn>
+                <a:cxn ang="0">
+                  <a:pos x="connsiteX4" y="connsiteY4"/>
+                </a:cxn>
+                <a:cxn ang="0">
+                  <a:pos x="connsiteX5" y="connsiteY5"/>
+                </a:cxn>
+                <a:cxn ang="0">
+                  <a:pos x="connsiteX6" y="connsiteY6"/>
+                </a:cxn>
+                <a:cxn ang="0">
+                  <a:pos x="connsiteX7" y="connsiteY7"/>
+                </a:cxn>
+                <a:cxn ang="0">
+                  <a:pos x="connsiteX8" y="connsiteY8"/>
+                </a:cxn>
+              </a:cxnLst>
+              <a:rect l="l" t="t" r="r" b="b"/>
+              <a:pathLst>
+                <a:path w="632855" h="155421">
+                  <a:moveTo>
+                    <a:pt x="68763" y="40253"/>
+                  </a:moveTo>
+                  <a:cubicBezTo>
+                    <a:pt x="35743" y="53588"/>
+                    <a:pt x="2723" y="66923"/>
+                    <a:pt x="183" y="85973"/>
+                  </a:cubicBezTo>
+                  <a:cubicBezTo>
+                    <a:pt x="-2357" y="105023"/>
+                    <a:pt x="21773" y="149473"/>
+                    <a:pt x="53523" y="154553"/>
+                  </a:cubicBezTo>
+                  <a:cubicBezTo>
+                    <a:pt x="85273" y="159633"/>
+                    <a:pt x="109403" y="141853"/>
+                    <a:pt x="190683" y="116453"/>
+                  </a:cubicBezTo>
+                  <a:cubicBezTo>
+                    <a:pt x="271963" y="91053"/>
+                    <a:pt x="467543" y="13583"/>
+                    <a:pt x="541203" y="2153"/>
+                  </a:cubicBezTo>
+                  <a:cubicBezTo>
+                    <a:pt x="614863" y="-9277"/>
+                    <a:pt x="628833" y="27553"/>
+                    <a:pt x="632643" y="47873"/>
+                  </a:cubicBezTo>
+                  <a:cubicBezTo>
+                    <a:pt x="636453" y="68193"/>
+                    <a:pt x="588193" y="116453"/>
+                    <a:pt x="564063" y="124073"/>
+                  </a:cubicBezTo>
+                  <a:cubicBezTo>
+                    <a:pt x="539933" y="131693"/>
+                    <a:pt x="487863" y="93593"/>
+                    <a:pt x="487863" y="93593"/>
+                  </a:cubicBezTo>
+                  <a:cubicBezTo>
+                    <a:pt x="478973" y="83433"/>
+                    <a:pt x="494848" y="73273"/>
+                    <a:pt x="510723" y="63113"/>
+                  </a:cubicBezTo>
+                </a:path>
+              </a:pathLst>
+            </a:custGeom>
+            <a:noFill/>
+            <a:ln w="19050"/>
+          </p:spPr>
+          <p:style>
+            <a:lnRef idx="2">
+              <a:schemeClr val="accent1">
+                <a:shade val="50000"/>
+              </a:schemeClr>
+            </a:lnRef>
+            <a:fillRef idx="1">
+              <a:schemeClr val="accent1"/>
+            </a:fillRef>
+            <a:effectRef idx="0">
+              <a:schemeClr val="accent1"/>
+            </a:effectRef>
+            <a:fontRef idx="minor">
+              <a:schemeClr val="lt1"/>
+            </a:fontRef>
+          </p:style>
+          <p:txBody>
+            <a:bodyPr rtlCol="0" anchor="ctr"/>
+            <a:lstStyle/>
+            <a:p>
+              <a:pPr algn="ctr"/>
+              <a:endParaRPr lang="en-US"/>
+            </a:p>
+          </p:txBody>
+        </p:sp>
+        <p:sp>
+          <p:nvSpPr>
+            <p:cNvPr id="23" name="Freihandform 22"/>
+            <p:cNvSpPr/>
+            <p:nvPr/>
+          </p:nvSpPr>
+          <p:spPr>
+            <a:xfrm flipH="1">
+              <a:off x="6255754" y="2459756"/>
+              <a:ext cx="300780" cy="107547"/>
+            </a:xfrm>
+            <a:custGeom>
+              <a:avLst/>
+              <a:gdLst>
+                <a:gd name="connsiteX0" fmla="*/ 68763 w 632855"/>
+                <a:gd name="connsiteY0" fmla="*/ 40253 h 155421"/>
+                <a:gd name="connsiteX1" fmla="*/ 183 w 632855"/>
+                <a:gd name="connsiteY1" fmla="*/ 85973 h 155421"/>
+                <a:gd name="connsiteX2" fmla="*/ 53523 w 632855"/>
+                <a:gd name="connsiteY2" fmla="*/ 154553 h 155421"/>
+                <a:gd name="connsiteX3" fmla="*/ 190683 w 632855"/>
+                <a:gd name="connsiteY3" fmla="*/ 116453 h 155421"/>
+                <a:gd name="connsiteX4" fmla="*/ 541203 w 632855"/>
+                <a:gd name="connsiteY4" fmla="*/ 2153 h 155421"/>
+                <a:gd name="connsiteX5" fmla="*/ 632643 w 632855"/>
+                <a:gd name="connsiteY5" fmla="*/ 47873 h 155421"/>
+                <a:gd name="connsiteX6" fmla="*/ 564063 w 632855"/>
+                <a:gd name="connsiteY6" fmla="*/ 124073 h 155421"/>
+                <a:gd name="connsiteX7" fmla="*/ 487863 w 632855"/>
+                <a:gd name="connsiteY7" fmla="*/ 93593 h 155421"/>
+                <a:gd name="connsiteX8" fmla="*/ 510723 w 632855"/>
+                <a:gd name="connsiteY8" fmla="*/ 63113 h 155421"/>
+              </a:gdLst>
+              <a:ahLst/>
+              <a:cxnLst>
+                <a:cxn ang="0">
+                  <a:pos x="connsiteX0" y="connsiteY0"/>
+                </a:cxn>
+                <a:cxn ang="0">
+                  <a:pos x="connsiteX1" y="connsiteY1"/>
+                </a:cxn>
+                <a:cxn ang="0">
+                  <a:pos x="connsiteX2" y="connsiteY2"/>
+                </a:cxn>
+                <a:cxn ang="0">
+                  <a:pos x="connsiteX3" y="connsiteY3"/>
+                </a:cxn>
+                <a:cxn ang="0">
+                  <a:pos x="connsiteX4" y="connsiteY4"/>
+                </a:cxn>
+                <a:cxn ang="0">
+                  <a:pos x="connsiteX5" y="connsiteY5"/>
+                </a:cxn>
+                <a:cxn ang="0">
+                  <a:pos x="connsiteX6" y="connsiteY6"/>
+                </a:cxn>
+                <a:cxn ang="0">
+                  <a:pos x="connsiteX7" y="connsiteY7"/>
+                </a:cxn>
+                <a:cxn ang="0">
+                  <a:pos x="connsiteX8" y="connsiteY8"/>
+                </a:cxn>
+              </a:cxnLst>
+              <a:rect l="l" t="t" r="r" b="b"/>
+              <a:pathLst>
+                <a:path w="632855" h="155421">
+                  <a:moveTo>
+                    <a:pt x="68763" y="40253"/>
+                  </a:moveTo>
+                  <a:cubicBezTo>
+                    <a:pt x="35743" y="53588"/>
+                    <a:pt x="2723" y="66923"/>
+                    <a:pt x="183" y="85973"/>
+                  </a:cubicBezTo>
+                  <a:cubicBezTo>
+                    <a:pt x="-2357" y="105023"/>
+                    <a:pt x="21773" y="149473"/>
+                    <a:pt x="53523" y="154553"/>
+                  </a:cubicBezTo>
+                  <a:cubicBezTo>
+                    <a:pt x="85273" y="159633"/>
+                    <a:pt x="109403" y="141853"/>
+                    <a:pt x="190683" y="116453"/>
+                  </a:cubicBezTo>
+                  <a:cubicBezTo>
+                    <a:pt x="271963" y="91053"/>
+                    <a:pt x="467543" y="13583"/>
+                    <a:pt x="541203" y="2153"/>
+                  </a:cubicBezTo>
+                  <a:cubicBezTo>
+                    <a:pt x="614863" y="-9277"/>
+                    <a:pt x="628833" y="27553"/>
+                    <a:pt x="632643" y="47873"/>
+                  </a:cubicBezTo>
+                  <a:cubicBezTo>
+                    <a:pt x="636453" y="68193"/>
+                    <a:pt x="588193" y="116453"/>
+                    <a:pt x="564063" y="124073"/>
+                  </a:cubicBezTo>
+                  <a:cubicBezTo>
+                    <a:pt x="539933" y="131693"/>
+                    <a:pt x="487863" y="93593"/>
+                    <a:pt x="487863" y="93593"/>
+                  </a:cubicBezTo>
+                  <a:cubicBezTo>
+                    <a:pt x="478973" y="83433"/>
+                    <a:pt x="494848" y="73273"/>
+                    <a:pt x="510723" y="63113"/>
+                  </a:cubicBezTo>
+                </a:path>
+              </a:pathLst>
+            </a:custGeom>
+            <a:noFill/>
+            <a:ln w="19050">
+              <a:solidFill>
+                <a:srgbClr val="5C6E91"/>
+              </a:solidFill>
+            </a:ln>
+          </p:spPr>
+          <p:style>
+            <a:lnRef idx="2">
+              <a:schemeClr val="accent1">
+                <a:shade val="50000"/>
+              </a:schemeClr>
+            </a:lnRef>
+            <a:fillRef idx="1">
+              <a:schemeClr val="accent1"/>
+            </a:fillRef>
+            <a:effectRef idx="0">
+              <a:schemeClr val="accent1"/>
+            </a:effectRef>
+            <a:fontRef idx="minor">
+              <a:schemeClr val="lt1"/>
+            </a:fontRef>
+          </p:style>
+          <p:txBody>
+            <a:bodyPr rtlCol="0" anchor="ctr"/>
+            <a:lstStyle/>
+            <a:p>
+              <a:pPr algn="ctr"/>
+              <a:endParaRPr lang="en-US" b="1" dirty="0"/>
+            </a:p>
+          </p:txBody>
+        </p:sp>
+        <p:sp>
+          <p:nvSpPr>
+            <p:cNvPr id="18" name="Textfeld 17"/>
+            <p:cNvSpPr txBox="1"/>
+            <p:nvPr/>
+          </p:nvSpPr>
+          <p:spPr>
+            <a:xfrm>
+              <a:off x="4248625" y="3581400"/>
+              <a:ext cx="2852950" cy="307777"/>
+            </a:xfrm>
+            <a:prstGeom prst="rect">
+              <a:avLst/>
+            </a:prstGeom>
+            <a:noFill/>
+          </p:spPr>
+          <p:txBody>
+            <a:bodyPr wrap="square" rtlCol="0">
+              <a:spAutoFit/>
+            </a:bodyPr>
+            <a:lstStyle/>
+            <a:p>
+              <a:pPr algn="ctr"/>
+              <a:r>
+                <a:rPr lang="en-US" sz="1400" dirty="0" smtClean="0">
+                  <a:solidFill>
+                    <a:srgbClr val="5C6E91"/>
+                  </a:solidFill>
+                  <a:latin typeface="Gloucester MT Extra Condensed" panose="02030808020601010101" pitchFamily="18" charset="0"/>
+                </a:rPr>
+                <a:t>FREUNDLICHES PERSONAL UND HAUSMANNSKOST</a:t>
+              </a:r>
+              <a:endParaRPr lang="en-US" sz="1400" dirty="0">
                 <a:solidFill>
                   <a:srgbClr val="5C6E91"/>
                 </a:solidFill>
-              </a:rPr>
-              <a:t>☆☆☆☆</a:t>
-            </a:r>
-            <a:r>
-              <a:rPr lang="en-US" dirty="0">
-                <a:solidFill>
-                  <a:srgbClr val="5C6E91"/>
-                </a:solidFill>
-              </a:rPr>
-              <a:t>☆</a:t>
-            </a:r>
-            <a:endParaRPr lang="en-US" dirty="0">
-              <a:solidFill>
-                <a:srgbClr val="5C6E91"/>
-              </a:solidFill>
-              <a:latin typeface="Arial" panose="020B0604020202020204" pitchFamily="34" charset="0"/>
-              <a:cs typeface="Arial" panose="020B0604020202020204" pitchFamily="34" charset="0"/>
-            </a:endParaRPr>
-          </a:p>
-        </p:txBody>
-      </p:sp>
+                <a:latin typeface="Gloucester MT Extra Condensed" panose="02030808020601010101" pitchFamily="18" charset="0"/>
+              </a:endParaRPr>
+            </a:p>
+          </p:txBody>
+        </p:sp>
+      </p:grpSp>
     </p:spTree>
     <p:extLst>
       <p:ext uri="{BB962C8B-B14F-4D97-AF65-F5344CB8AC3E}">
